--- a/Assignment n1.pptx
+++ b/Assignment n1.pptx
@@ -146,6 +146,11 @@
       </a:defRPr>
     </a:lvl9pPr>
   </p:defaultTextStyle>
+  <p:extLst>
+    <p:ext uri="{EFAFB233-063F-42B5-8137-9DF3F51BA10A}">
+      <p15:sldGuideLst xmlns:p15="http://schemas.microsoft.com/office/powerpoint/2012/main"/>
+    </p:ext>
+  </p:extLst>
 </p:presentation>
 </file>
 
@@ -231,7 +236,7 @@
           <a:p>
             <a:fld id="{7DA3233C-8372-4E24-A4C5-D8DE996B7A53}" type="datetimeFigureOut">
               <a:rPr lang="fr-FR" smtClean="0"/>
-              <a:t>05/03/2025</a:t>
+              <a:t>13/03/2025</a:t>
             </a:fld>
             <a:endParaRPr lang="fr-FR"/>
           </a:p>
@@ -3537,7 +3542,7 @@
           <a:p>
             <a:fld id="{759B4418-1E71-4C4E-BBEB-ADD10516714D}" type="datetime1">
               <a:rPr lang="fr-FR" smtClean="0"/>
-              <a:t>05/03/2025</a:t>
+              <a:t>13/03/2025</a:t>
             </a:fld>
             <a:endParaRPr lang="fr-FR"/>
           </a:p>
@@ -3739,7 +3744,7 @@
           <a:p>
             <a:fld id="{A0F1506C-9CF9-4F2E-B4E6-CF69836C7643}" type="datetime1">
               <a:rPr lang="fr-FR" smtClean="0"/>
-              <a:t>05/03/2025</a:t>
+              <a:t>13/03/2025</a:t>
             </a:fld>
             <a:endParaRPr lang="fr-FR"/>
           </a:p>
@@ -3951,7 +3956,7 @@
           <a:p>
             <a:fld id="{2846428C-FE5C-4E08-A0F6-4F60698816C5}" type="datetime1">
               <a:rPr lang="fr-FR" smtClean="0"/>
-              <a:t>05/03/2025</a:t>
+              <a:t>13/03/2025</a:t>
             </a:fld>
             <a:endParaRPr lang="fr-FR"/>
           </a:p>
@@ -4153,7 +4158,7 @@
           <a:p>
             <a:fld id="{210A8A84-98AF-4AB2-B146-C3196BD75E1B}" type="datetime1">
               <a:rPr lang="fr-FR" smtClean="0"/>
-              <a:t>05/03/2025</a:t>
+              <a:t>13/03/2025</a:t>
             </a:fld>
             <a:endParaRPr lang="fr-FR"/>
           </a:p>
@@ -4432,7 +4437,7 @@
           <a:p>
             <a:fld id="{BF8ABD41-0479-4BD0-8063-7FB6B8C72DFC}" type="datetime1">
               <a:rPr lang="fr-FR" smtClean="0"/>
-              <a:t>05/03/2025</a:t>
+              <a:t>13/03/2025</a:t>
             </a:fld>
             <a:endParaRPr lang="fr-FR"/>
           </a:p>
@@ -4701,7 +4706,7 @@
           <a:p>
             <a:fld id="{1EAD322E-D09D-415D-A4D7-529319D1DE6F}" type="datetime1">
               <a:rPr lang="fr-FR" smtClean="0"/>
-              <a:t>05/03/2025</a:t>
+              <a:t>13/03/2025</a:t>
             </a:fld>
             <a:endParaRPr lang="fr-FR"/>
           </a:p>
@@ -5117,7 +5122,7 @@
           <a:p>
             <a:fld id="{B4F6A648-954F-449C-9B0A-A7D87F1CE79E}" type="datetime1">
               <a:rPr lang="fr-FR" smtClean="0"/>
-              <a:t>05/03/2025</a:t>
+              <a:t>13/03/2025</a:t>
             </a:fld>
             <a:endParaRPr lang="fr-FR"/>
           </a:p>
@@ -5262,7 +5267,7 @@
           <a:p>
             <a:fld id="{A2CFDC72-5730-4BA7-8935-4D14DE0FB2E9}" type="datetime1">
               <a:rPr lang="fr-FR" smtClean="0"/>
-              <a:t>05/03/2025</a:t>
+              <a:t>13/03/2025</a:t>
             </a:fld>
             <a:endParaRPr lang="fr-FR"/>
           </a:p>
@@ -5379,7 +5384,7 @@
           <a:p>
             <a:fld id="{EA7D0ECC-3214-4F42-9A14-834F1DF03374}" type="datetime1">
               <a:rPr lang="fr-FR" smtClean="0"/>
-              <a:t>05/03/2025</a:t>
+              <a:t>13/03/2025</a:t>
             </a:fld>
             <a:endParaRPr lang="fr-FR"/>
           </a:p>
@@ -5694,7 +5699,7 @@
           <a:p>
             <a:fld id="{D410C6CD-428F-42BF-AFA3-4124C3604A78}" type="datetime1">
               <a:rPr lang="fr-FR" smtClean="0"/>
-              <a:t>05/03/2025</a:t>
+              <a:t>13/03/2025</a:t>
             </a:fld>
             <a:endParaRPr lang="fr-FR"/>
           </a:p>
@@ -5986,7 +5991,7 @@
           <a:p>
             <a:fld id="{E11D269B-14E1-474B-84D9-54A407F516A3}" type="datetime1">
               <a:rPr lang="fr-FR" smtClean="0"/>
-              <a:t>05/03/2025</a:t>
+              <a:t>13/03/2025</a:t>
             </a:fld>
             <a:endParaRPr lang="fr-FR"/>
           </a:p>
@@ -6233,7 +6238,7 @@
           <a:p>
             <a:fld id="{61E8E557-383D-4245-A7B2-75BD084893E8}" type="datetime1">
               <a:rPr lang="fr-FR" smtClean="0"/>
-              <a:t>05/03/2025</a:t>
+              <a:t>13/03/2025</a:t>
             </a:fld>
             <a:endParaRPr lang="fr-FR"/>
           </a:p>
@@ -6895,10 +6900,10 @@
       </p:sp>
       <p:pic>
         <p:nvPicPr>
-          <p:cNvPr id="10" name="Image 9">
-            <a:extLst>
-              <a:ext uri="{FF2B5EF4-FFF2-40B4-BE49-F238E27FC236}">
-                <a16:creationId xmlns:a16="http://schemas.microsoft.com/office/drawing/2014/main" id="{E85D6174-2D34-D031-C2B7-620C9F57B527}"/>
+          <p:cNvPr id="5" name="Image 4">
+            <a:extLst>
+              <a:ext uri="{FF2B5EF4-FFF2-40B4-BE49-F238E27FC236}">
+                <a16:creationId xmlns:a16="http://schemas.microsoft.com/office/drawing/2014/main" id="{9873ADF5-ED94-80B1-C5D6-EF84B3D75A6E}"/>
               </a:ext>
             </a:extLst>
           </p:cNvPr>
@@ -6915,8 +6920,8 @@
         </p:blipFill>
         <p:spPr>
           <a:xfrm>
-            <a:off x="5305659" y="101600"/>
-            <a:ext cx="6681825" cy="6654800"/>
+            <a:off x="5525729" y="272789"/>
+            <a:ext cx="6344464" cy="6312421"/>
           </a:xfrm>
           <a:prstGeom prst="rect">
             <a:avLst/>
@@ -15235,10 +15240,10 @@
       </p:sp>
       <p:pic>
         <p:nvPicPr>
-          <p:cNvPr id="12" name="Image 11">
-            <a:extLst>
-              <a:ext uri="{FF2B5EF4-FFF2-40B4-BE49-F238E27FC236}">
-                <a16:creationId xmlns:a16="http://schemas.microsoft.com/office/drawing/2014/main" id="{5561F529-25FD-BD2D-FBD5-B457604472DF}"/>
+          <p:cNvPr id="5" name="Image 4">
+            <a:extLst>
+              <a:ext uri="{FF2B5EF4-FFF2-40B4-BE49-F238E27FC236}">
+                <a16:creationId xmlns:a16="http://schemas.microsoft.com/office/drawing/2014/main" id="{E9824867-77E8-B510-BBB0-01497FF8ED19}"/>
               </a:ext>
             </a:extLst>
           </p:cNvPr>
@@ -15255,8 +15260,8 @@
         </p:blipFill>
         <p:spPr>
           <a:xfrm>
-            <a:off x="5232400" y="238760"/>
-            <a:ext cx="6374003" cy="6380480"/>
+            <a:off x="5558247" y="226142"/>
+            <a:ext cx="6399213" cy="6405716"/>
           </a:xfrm>
           <a:prstGeom prst="rect">
             <a:avLst/>
